--- a/docs/resources/Fig14.pptx
+++ b/docs/resources/Fig14.pptx
@@ -104,6 +104,11 @@
       </a:defRPr>
     </a:lvl9pPr>
   </p:defaultTextStyle>
+  <p:extLst>
+    <p:ext uri="{EFAFB233-063F-42B5-8137-9DF3F51BA10A}">
+      <p15:sldGuideLst xmlns:p15="http://schemas.microsoft.com/office/powerpoint/2012/main"/>
+    </p:ext>
+  </p:extLst>
 </p:presentation>
 </file>
 
@@ -5986,6 +5991,600 @@
           </p:style>
         </p:cxnSp>
       </p:grpSp>
+      <p:sp>
+        <p:nvSpPr>
+          <p:cNvPr id="2" name="Signo de multiplicación 1">
+            <a:extLst>
+              <a:ext uri="{FF2B5EF4-FFF2-40B4-BE49-F238E27FC236}">
+                <a16:creationId xmlns:a16="http://schemas.microsoft.com/office/drawing/2014/main" id="{76338CE1-3B64-4576-81AD-AE0D74469023}"/>
+              </a:ext>
+            </a:extLst>
+          </p:cNvPr>
+          <p:cNvSpPr/>
+          <p:nvPr/>
+        </p:nvSpPr>
+        <p:spPr>
+          <a:xfrm>
+            <a:off x="11525909" y="1437824"/>
+            <a:ext cx="381281" cy="351226"/>
+          </a:xfrm>
+          <a:prstGeom prst="mathMultiply">
+            <a:avLst>
+              <a:gd name="adj1" fmla="val 11577"/>
+            </a:avLst>
+          </a:prstGeom>
+          <a:solidFill>
+            <a:srgbClr val="FF0000"/>
+          </a:solidFill>
+          <a:ln>
+            <a:solidFill>
+              <a:srgbClr val="AD1D21"/>
+            </a:solidFill>
+          </a:ln>
+        </p:spPr>
+        <p:style>
+          <a:lnRef idx="2">
+            <a:schemeClr val="accent1">
+              <a:shade val="50000"/>
+            </a:schemeClr>
+          </a:lnRef>
+          <a:fillRef idx="1">
+            <a:schemeClr val="accent1"/>
+          </a:fillRef>
+          <a:effectRef idx="0">
+            <a:schemeClr val="accent1"/>
+          </a:effectRef>
+          <a:fontRef idx="minor">
+            <a:schemeClr val="lt1"/>
+          </a:fontRef>
+        </p:style>
+        <p:txBody>
+          <a:bodyPr rtlCol="0" anchor="ctr"/>
+          <a:lstStyle/>
+          <a:p>
+            <a:pPr algn="ctr"/>
+            <a:endParaRPr lang="es-ES"/>
+          </a:p>
+        </p:txBody>
+      </p:sp>
+      <p:sp>
+        <p:nvSpPr>
+          <p:cNvPr id="63" name="Signo de multiplicación 62">
+            <a:extLst>
+              <a:ext uri="{FF2B5EF4-FFF2-40B4-BE49-F238E27FC236}">
+                <a16:creationId xmlns:a16="http://schemas.microsoft.com/office/drawing/2014/main" id="{4EEC4552-5D3A-4E96-9683-2D7D58505350}"/>
+              </a:ext>
+            </a:extLst>
+          </p:cNvPr>
+          <p:cNvSpPr/>
+          <p:nvPr/>
+        </p:nvSpPr>
+        <p:spPr>
+          <a:xfrm>
+            <a:off x="11525909" y="2044416"/>
+            <a:ext cx="381281" cy="351226"/>
+          </a:xfrm>
+          <a:prstGeom prst="mathMultiply">
+            <a:avLst>
+              <a:gd name="adj1" fmla="val 11577"/>
+            </a:avLst>
+          </a:prstGeom>
+          <a:solidFill>
+            <a:srgbClr val="FF0000"/>
+          </a:solidFill>
+          <a:ln>
+            <a:solidFill>
+              <a:srgbClr val="AD1D21"/>
+            </a:solidFill>
+          </a:ln>
+        </p:spPr>
+        <p:style>
+          <a:lnRef idx="2">
+            <a:schemeClr val="accent1">
+              <a:shade val="50000"/>
+            </a:schemeClr>
+          </a:lnRef>
+          <a:fillRef idx="1">
+            <a:schemeClr val="accent1"/>
+          </a:fillRef>
+          <a:effectRef idx="0">
+            <a:schemeClr val="accent1"/>
+          </a:effectRef>
+          <a:fontRef idx="minor">
+            <a:schemeClr val="lt1"/>
+          </a:fontRef>
+        </p:style>
+        <p:txBody>
+          <a:bodyPr rtlCol="0" anchor="ctr"/>
+          <a:lstStyle/>
+          <a:p>
+            <a:pPr algn="ctr"/>
+            <a:endParaRPr lang="es-ES"/>
+          </a:p>
+        </p:txBody>
+      </p:sp>
+      <p:sp>
+        <p:nvSpPr>
+          <p:cNvPr id="64" name="Signo de multiplicación 63">
+            <a:extLst>
+              <a:ext uri="{FF2B5EF4-FFF2-40B4-BE49-F238E27FC236}">
+                <a16:creationId xmlns:a16="http://schemas.microsoft.com/office/drawing/2014/main" id="{BC5E4549-9AAE-430E-B305-89F2BA704284}"/>
+              </a:ext>
+            </a:extLst>
+          </p:cNvPr>
+          <p:cNvSpPr/>
+          <p:nvPr/>
+        </p:nvSpPr>
+        <p:spPr>
+          <a:xfrm>
+            <a:off x="11525908" y="2675122"/>
+            <a:ext cx="381281" cy="351226"/>
+          </a:xfrm>
+          <a:prstGeom prst="mathMultiply">
+            <a:avLst>
+              <a:gd name="adj1" fmla="val 11577"/>
+            </a:avLst>
+          </a:prstGeom>
+          <a:solidFill>
+            <a:srgbClr val="FF0000"/>
+          </a:solidFill>
+          <a:ln>
+            <a:solidFill>
+              <a:srgbClr val="AD1D21"/>
+            </a:solidFill>
+          </a:ln>
+        </p:spPr>
+        <p:style>
+          <a:lnRef idx="2">
+            <a:schemeClr val="accent1">
+              <a:shade val="50000"/>
+            </a:schemeClr>
+          </a:lnRef>
+          <a:fillRef idx="1">
+            <a:schemeClr val="accent1"/>
+          </a:fillRef>
+          <a:effectRef idx="0">
+            <a:schemeClr val="accent1"/>
+          </a:effectRef>
+          <a:fontRef idx="minor">
+            <a:schemeClr val="lt1"/>
+          </a:fontRef>
+        </p:style>
+        <p:txBody>
+          <a:bodyPr rtlCol="0" anchor="ctr"/>
+          <a:lstStyle/>
+          <a:p>
+            <a:pPr algn="ctr"/>
+            <a:endParaRPr lang="es-ES"/>
+          </a:p>
+        </p:txBody>
+      </p:sp>
+      <p:sp>
+        <p:nvSpPr>
+          <p:cNvPr id="66" name="Signo de multiplicación 65">
+            <a:extLst>
+              <a:ext uri="{FF2B5EF4-FFF2-40B4-BE49-F238E27FC236}">
+                <a16:creationId xmlns:a16="http://schemas.microsoft.com/office/drawing/2014/main" id="{0D8DC947-951B-4BFC-B18C-A71F1F863C90}"/>
+              </a:ext>
+            </a:extLst>
+          </p:cNvPr>
+          <p:cNvSpPr/>
+          <p:nvPr/>
+        </p:nvSpPr>
+        <p:spPr>
+          <a:xfrm>
+            <a:off x="11525910" y="4717361"/>
+            <a:ext cx="381281" cy="351226"/>
+          </a:xfrm>
+          <a:prstGeom prst="mathMultiply">
+            <a:avLst>
+              <a:gd name="adj1" fmla="val 11577"/>
+            </a:avLst>
+          </a:prstGeom>
+          <a:solidFill>
+            <a:srgbClr val="FF0000"/>
+          </a:solidFill>
+          <a:ln>
+            <a:solidFill>
+              <a:srgbClr val="AD1D21"/>
+            </a:solidFill>
+          </a:ln>
+        </p:spPr>
+        <p:style>
+          <a:lnRef idx="2">
+            <a:schemeClr val="accent1">
+              <a:shade val="50000"/>
+            </a:schemeClr>
+          </a:lnRef>
+          <a:fillRef idx="1">
+            <a:schemeClr val="accent1"/>
+          </a:fillRef>
+          <a:effectRef idx="0">
+            <a:schemeClr val="accent1"/>
+          </a:effectRef>
+          <a:fontRef idx="minor">
+            <a:schemeClr val="lt1"/>
+          </a:fontRef>
+        </p:style>
+        <p:txBody>
+          <a:bodyPr rtlCol="0" anchor="ctr"/>
+          <a:lstStyle/>
+          <a:p>
+            <a:pPr algn="ctr"/>
+            <a:endParaRPr lang="es-ES"/>
+          </a:p>
+        </p:txBody>
+      </p:sp>
+      <p:sp>
+        <p:nvSpPr>
+          <p:cNvPr id="67" name="Signo de multiplicación 66">
+            <a:extLst>
+              <a:ext uri="{FF2B5EF4-FFF2-40B4-BE49-F238E27FC236}">
+                <a16:creationId xmlns:a16="http://schemas.microsoft.com/office/drawing/2014/main" id="{BADCC3E1-537C-4D26-89E8-2DDB1E4D0608}"/>
+              </a:ext>
+            </a:extLst>
+          </p:cNvPr>
+          <p:cNvSpPr/>
+          <p:nvPr/>
+        </p:nvSpPr>
+        <p:spPr>
+          <a:xfrm>
+            <a:off x="11525910" y="5323953"/>
+            <a:ext cx="381281" cy="351226"/>
+          </a:xfrm>
+          <a:prstGeom prst="mathMultiply">
+            <a:avLst>
+              <a:gd name="adj1" fmla="val 11577"/>
+            </a:avLst>
+          </a:prstGeom>
+          <a:solidFill>
+            <a:srgbClr val="FF0000"/>
+          </a:solidFill>
+          <a:ln>
+            <a:solidFill>
+              <a:srgbClr val="AD1D21"/>
+            </a:solidFill>
+          </a:ln>
+        </p:spPr>
+        <p:style>
+          <a:lnRef idx="2">
+            <a:schemeClr val="accent1">
+              <a:shade val="50000"/>
+            </a:schemeClr>
+          </a:lnRef>
+          <a:fillRef idx="1">
+            <a:schemeClr val="accent1"/>
+          </a:fillRef>
+          <a:effectRef idx="0">
+            <a:schemeClr val="accent1"/>
+          </a:effectRef>
+          <a:fontRef idx="minor">
+            <a:schemeClr val="lt1"/>
+          </a:fontRef>
+        </p:style>
+        <p:txBody>
+          <a:bodyPr rtlCol="0" anchor="ctr"/>
+          <a:lstStyle/>
+          <a:p>
+            <a:pPr algn="ctr"/>
+            <a:endParaRPr lang="es-ES"/>
+          </a:p>
+        </p:txBody>
+      </p:sp>
+      <p:sp>
+        <p:nvSpPr>
+          <p:cNvPr id="73" name="Signo de multiplicación 72">
+            <a:extLst>
+              <a:ext uri="{FF2B5EF4-FFF2-40B4-BE49-F238E27FC236}">
+                <a16:creationId xmlns:a16="http://schemas.microsoft.com/office/drawing/2014/main" id="{17E92CF7-FF9D-45EE-96B6-ECC0C4ED780F}"/>
+              </a:ext>
+            </a:extLst>
+          </p:cNvPr>
+          <p:cNvSpPr/>
+          <p:nvPr/>
+        </p:nvSpPr>
+        <p:spPr>
+          <a:xfrm>
+            <a:off x="11525909" y="5954659"/>
+            <a:ext cx="381281" cy="351226"/>
+          </a:xfrm>
+          <a:prstGeom prst="mathMultiply">
+            <a:avLst>
+              <a:gd name="adj1" fmla="val 11577"/>
+            </a:avLst>
+          </a:prstGeom>
+          <a:solidFill>
+            <a:srgbClr val="FF0000"/>
+          </a:solidFill>
+          <a:ln>
+            <a:solidFill>
+              <a:srgbClr val="AD1D21"/>
+            </a:solidFill>
+          </a:ln>
+        </p:spPr>
+        <p:style>
+          <a:lnRef idx="2">
+            <a:schemeClr val="accent1">
+              <a:shade val="50000"/>
+            </a:schemeClr>
+          </a:lnRef>
+          <a:fillRef idx="1">
+            <a:schemeClr val="accent1"/>
+          </a:fillRef>
+          <a:effectRef idx="0">
+            <a:schemeClr val="accent1"/>
+          </a:effectRef>
+          <a:fontRef idx="minor">
+            <a:schemeClr val="lt1"/>
+          </a:fontRef>
+        </p:style>
+        <p:txBody>
+          <a:bodyPr rtlCol="0" anchor="ctr"/>
+          <a:lstStyle/>
+          <a:p>
+            <a:pPr algn="ctr"/>
+            <a:endParaRPr lang="es-ES"/>
+          </a:p>
+        </p:txBody>
+      </p:sp>
+      <p:grpSp>
+        <p:nvGrpSpPr>
+          <p:cNvPr id="75" name="Grupo 74">
+            <a:extLst>
+              <a:ext uri="{FF2B5EF4-FFF2-40B4-BE49-F238E27FC236}">
+                <a16:creationId xmlns:a16="http://schemas.microsoft.com/office/drawing/2014/main" id="{82620117-ECA8-4058-8FF9-C52C3C290073}"/>
+              </a:ext>
+            </a:extLst>
+          </p:cNvPr>
+          <p:cNvGrpSpPr/>
+          <p:nvPr/>
+        </p:nvGrpSpPr>
+        <p:grpSpPr>
+          <a:xfrm>
+            <a:off x="11568490" y="878084"/>
+            <a:ext cx="380501" cy="212050"/>
+            <a:chOff x="10669080" y="3475271"/>
+            <a:chExt cx="380501" cy="212050"/>
+          </a:xfrm>
+        </p:grpSpPr>
+        <p:sp>
+          <p:nvSpPr>
+            <p:cNvPr id="77" name="Signo menos 76">
+              <a:extLst>
+                <a:ext uri="{FF2B5EF4-FFF2-40B4-BE49-F238E27FC236}">
+                  <a16:creationId xmlns:a16="http://schemas.microsoft.com/office/drawing/2014/main" id="{E8BB08DC-972C-4216-B8A2-D6C5D43E7BC5}"/>
+                </a:ext>
+              </a:extLst>
+            </p:cNvPr>
+            <p:cNvSpPr/>
+            <p:nvPr/>
+          </p:nvSpPr>
+          <p:spPr>
+            <a:xfrm rot="19074145">
+              <a:off x="10684414" y="3475271"/>
+              <a:ext cx="365167" cy="158715"/>
+            </a:xfrm>
+            <a:prstGeom prst="mathMinus">
+              <a:avLst/>
+            </a:prstGeom>
+            <a:solidFill>
+              <a:srgbClr val="92D050"/>
+            </a:solidFill>
+            <a:ln>
+              <a:solidFill>
+                <a:srgbClr val="7EB147"/>
+              </a:solidFill>
+            </a:ln>
+          </p:spPr>
+          <p:style>
+            <a:lnRef idx="2">
+              <a:schemeClr val="accent1">
+                <a:shade val="50000"/>
+              </a:schemeClr>
+            </a:lnRef>
+            <a:fillRef idx="1">
+              <a:schemeClr val="accent1"/>
+            </a:fillRef>
+            <a:effectRef idx="0">
+              <a:schemeClr val="accent1"/>
+            </a:effectRef>
+            <a:fontRef idx="minor">
+              <a:schemeClr val="lt1"/>
+            </a:fontRef>
+          </p:style>
+          <p:txBody>
+            <a:bodyPr rtlCol="0" anchor="ctr"/>
+            <a:lstStyle/>
+            <a:p>
+              <a:pPr algn="ctr"/>
+              <a:endParaRPr lang="es-ES"/>
+            </a:p>
+          </p:txBody>
+        </p:sp>
+        <p:sp>
+          <p:nvSpPr>
+            <p:cNvPr id="78" name="Signo menos 77">
+              <a:extLst>
+                <a:ext uri="{FF2B5EF4-FFF2-40B4-BE49-F238E27FC236}">
+                  <a16:creationId xmlns:a16="http://schemas.microsoft.com/office/drawing/2014/main" id="{F060286B-11E7-4F68-AE47-BA13AC776B1C}"/>
+                </a:ext>
+              </a:extLst>
+            </p:cNvPr>
+            <p:cNvSpPr/>
+            <p:nvPr/>
+          </p:nvSpPr>
+          <p:spPr>
+            <a:xfrm rot="2861497">
+              <a:off x="10660323" y="3519848"/>
+              <a:ext cx="176230" cy="158715"/>
+            </a:xfrm>
+            <a:prstGeom prst="mathMinus">
+              <a:avLst/>
+            </a:prstGeom>
+            <a:solidFill>
+              <a:srgbClr val="92D050"/>
+            </a:solidFill>
+            <a:ln>
+              <a:solidFill>
+                <a:srgbClr val="7EB147"/>
+              </a:solidFill>
+            </a:ln>
+          </p:spPr>
+          <p:style>
+            <a:lnRef idx="2">
+              <a:schemeClr val="accent1">
+                <a:shade val="50000"/>
+              </a:schemeClr>
+            </a:lnRef>
+            <a:fillRef idx="1">
+              <a:schemeClr val="accent1"/>
+            </a:fillRef>
+            <a:effectRef idx="0">
+              <a:schemeClr val="accent1"/>
+            </a:effectRef>
+            <a:fontRef idx="minor">
+              <a:schemeClr val="lt1"/>
+            </a:fontRef>
+          </p:style>
+          <p:txBody>
+            <a:bodyPr rtlCol="0" anchor="ctr"/>
+            <a:lstStyle/>
+            <a:p>
+              <a:pPr algn="ctr"/>
+              <a:endParaRPr lang="es-ES"/>
+            </a:p>
+          </p:txBody>
+        </p:sp>
+      </p:grpSp>
+      <p:grpSp>
+        <p:nvGrpSpPr>
+          <p:cNvPr id="79" name="Grupo 78">
+            <a:extLst>
+              <a:ext uri="{FF2B5EF4-FFF2-40B4-BE49-F238E27FC236}">
+                <a16:creationId xmlns:a16="http://schemas.microsoft.com/office/drawing/2014/main" id="{3985FE0B-87B2-4A83-9C30-273B9173FBA3}"/>
+              </a:ext>
+            </a:extLst>
+          </p:cNvPr>
+          <p:cNvGrpSpPr/>
+          <p:nvPr/>
+        </p:nvGrpSpPr>
+        <p:grpSpPr>
+          <a:xfrm>
+            <a:off x="11575597" y="4166984"/>
+            <a:ext cx="380501" cy="212050"/>
+            <a:chOff x="10669080" y="3475271"/>
+            <a:chExt cx="380501" cy="212050"/>
+          </a:xfrm>
+        </p:grpSpPr>
+        <p:sp>
+          <p:nvSpPr>
+            <p:cNvPr id="81" name="Signo menos 80">
+              <a:extLst>
+                <a:ext uri="{FF2B5EF4-FFF2-40B4-BE49-F238E27FC236}">
+                  <a16:creationId xmlns:a16="http://schemas.microsoft.com/office/drawing/2014/main" id="{E2F5F2E7-C237-4F1D-976C-7FEE6F710D97}"/>
+                </a:ext>
+              </a:extLst>
+            </p:cNvPr>
+            <p:cNvSpPr/>
+            <p:nvPr/>
+          </p:nvSpPr>
+          <p:spPr>
+            <a:xfrm rot="19074145">
+              <a:off x="10684414" y="3475271"/>
+              <a:ext cx="365167" cy="158715"/>
+            </a:xfrm>
+            <a:prstGeom prst="mathMinus">
+              <a:avLst/>
+            </a:prstGeom>
+            <a:solidFill>
+              <a:srgbClr val="92D050"/>
+            </a:solidFill>
+            <a:ln>
+              <a:solidFill>
+                <a:srgbClr val="7EB147"/>
+              </a:solidFill>
+            </a:ln>
+          </p:spPr>
+          <p:style>
+            <a:lnRef idx="2">
+              <a:schemeClr val="accent1">
+                <a:shade val="50000"/>
+              </a:schemeClr>
+            </a:lnRef>
+            <a:fillRef idx="1">
+              <a:schemeClr val="accent1"/>
+            </a:fillRef>
+            <a:effectRef idx="0">
+              <a:schemeClr val="accent1"/>
+            </a:effectRef>
+            <a:fontRef idx="minor">
+              <a:schemeClr val="lt1"/>
+            </a:fontRef>
+          </p:style>
+          <p:txBody>
+            <a:bodyPr rtlCol="0" anchor="ctr"/>
+            <a:lstStyle/>
+            <a:p>
+              <a:pPr algn="ctr"/>
+              <a:endParaRPr lang="es-ES"/>
+            </a:p>
+          </p:txBody>
+        </p:sp>
+        <p:sp>
+          <p:nvSpPr>
+            <p:cNvPr id="82" name="Signo menos 81">
+              <a:extLst>
+                <a:ext uri="{FF2B5EF4-FFF2-40B4-BE49-F238E27FC236}">
+                  <a16:creationId xmlns:a16="http://schemas.microsoft.com/office/drawing/2014/main" id="{4AC12F55-F2DC-4F59-8E29-CE8E98D6DB41}"/>
+                </a:ext>
+              </a:extLst>
+            </p:cNvPr>
+            <p:cNvSpPr/>
+            <p:nvPr/>
+          </p:nvSpPr>
+          <p:spPr>
+            <a:xfrm rot="2861497">
+              <a:off x="10660323" y="3519848"/>
+              <a:ext cx="176230" cy="158715"/>
+            </a:xfrm>
+            <a:prstGeom prst="mathMinus">
+              <a:avLst/>
+            </a:prstGeom>
+            <a:solidFill>
+              <a:srgbClr val="92D050"/>
+            </a:solidFill>
+            <a:ln>
+              <a:solidFill>
+                <a:srgbClr val="7EB147"/>
+              </a:solidFill>
+            </a:ln>
+          </p:spPr>
+          <p:style>
+            <a:lnRef idx="2">
+              <a:schemeClr val="accent1">
+                <a:shade val="50000"/>
+              </a:schemeClr>
+            </a:lnRef>
+            <a:fillRef idx="1">
+              <a:schemeClr val="accent1"/>
+            </a:fillRef>
+            <a:effectRef idx="0">
+              <a:schemeClr val="accent1"/>
+            </a:effectRef>
+            <a:fontRef idx="minor">
+              <a:schemeClr val="lt1"/>
+            </a:fontRef>
+          </p:style>
+          <p:txBody>
+            <a:bodyPr rtlCol="0" anchor="ctr"/>
+            <a:lstStyle/>
+            <a:p>
+              <a:pPr algn="ctr"/>
+              <a:endParaRPr lang="es-ES"/>
+            </a:p>
+          </p:txBody>
+        </p:sp>
+      </p:grpSp>
     </p:spTree>
     <p:extLst>
       <p:ext uri="{BB962C8B-B14F-4D97-AF65-F5344CB8AC3E}">
